--- a/演示文稿1.pptx
+++ b/演示文稿1.pptx
@@ -6,7 +6,6 @@
   </p:sldMasterIdLst>
   <p:sldIdLst>
     <p:sldId id="256" r:id="rId3"/>
-    <p:sldId id="257" r:id="rId4"/>
   </p:sldIdLst>
   <p:sldSz cx="12192000" cy="6858000"/>
   <p:notesSz cx="6858000" cy="9144000"/>
@@ -3000,6 +2999,105 @@
       </p:sp>
       <p:sp>
         <p:nvSpPr>
+          <p:cNvPr id="11" name="椭圆 10"/>
+          <p:cNvSpPr/>
+          <p:nvPr/>
+        </p:nvSpPr>
+        <p:spPr>
+          <a:xfrm>
+            <a:off x="4047490" y="1380490"/>
+            <a:ext cx="4097020" cy="4097020"/>
+          </a:xfrm>
+          <a:prstGeom prst="ellipse">
+            <a:avLst/>
+          </a:prstGeom>
+        </p:spPr>
+        <p:style>
+          <a:lnRef idx="2">
+            <a:schemeClr val="accent4">
+              <a:shade val="50000"/>
+            </a:schemeClr>
+          </a:lnRef>
+          <a:fillRef idx="1">
+            <a:schemeClr val="accent4"/>
+          </a:fillRef>
+          <a:effectRef idx="0">
+            <a:schemeClr val="accent4"/>
+          </a:effectRef>
+          <a:fontRef idx="minor">
+            <a:schemeClr val="lt1"/>
+          </a:fontRef>
+        </p:style>
+        <p:txBody>
+          <a:bodyPr rtlCol="0" anchor="ctr"/>
+          <a:p>
+            <a:pPr algn="ctr"/>
+            <a:r>
+              <a:rPr lang="x-none" altLang="zh-CN" sz="4400">
+                <a:latin typeface="Champagne &amp; Limousines" charset="0"/>
+                <a:ea typeface="Champagne &amp; Limousines" charset="0"/>
+              </a:rPr>
+              <a:t>Devote</a:t>
+            </a:r>
+            <a:endParaRPr lang="x-none" altLang="zh-CN" sz="4400">
+              <a:latin typeface="Champagne &amp; Limousines" charset="0"/>
+              <a:ea typeface="Champagne &amp; Limousines" charset="0"/>
+            </a:endParaRPr>
+          </a:p>
+        </p:txBody>
+      </p:sp>
+      <p:sp>
+        <p:nvSpPr>
+          <p:cNvPr id="10" name="椭圆 9"/>
+          <p:cNvSpPr/>
+          <p:nvPr/>
+        </p:nvSpPr>
+        <p:spPr>
+          <a:xfrm>
+            <a:off x="4047490" y="1380490"/>
+            <a:ext cx="4097020" cy="4097020"/>
+          </a:xfrm>
+          <a:prstGeom prst="ellipse">
+            <a:avLst/>
+          </a:prstGeom>
+        </p:spPr>
+        <p:style>
+          <a:lnRef idx="2">
+            <a:schemeClr val="accent6">
+              <a:shade val="50000"/>
+            </a:schemeClr>
+          </a:lnRef>
+          <a:fillRef idx="1">
+            <a:schemeClr val="accent6"/>
+          </a:fillRef>
+          <a:effectRef idx="0">
+            <a:schemeClr val="accent6"/>
+          </a:effectRef>
+          <a:fontRef idx="minor">
+            <a:schemeClr val="lt1"/>
+          </a:fontRef>
+        </p:style>
+        <p:txBody>
+          <a:bodyPr rtlCol="0" anchor="ctr"/>
+          <a:p>
+            <a:pPr algn="ctr"/>
+            <a:r>
+              <a:rPr lang="x-none" altLang="zh-CN" sz="3600">
+                <a:latin typeface="Champagne &amp; Limousines" charset="0"/>
+                <a:ea typeface="Champagne &amp; Limousines" charset="0"/>
+                <a:sym typeface="+mn-ea"/>
+              </a:rPr>
+              <a:t>Perseverance</a:t>
+            </a:r>
+            <a:endParaRPr lang="x-none" altLang="zh-CN" sz="3600">
+              <a:latin typeface="Champagne &amp; Limousines" charset="0"/>
+              <a:ea typeface="Champagne &amp; Limousines" charset="0"/>
+            </a:endParaRPr>
+          </a:p>
+        </p:txBody>
+      </p:sp>
+      <p:sp>
+        <p:nvSpPr>
           <p:cNvPr id="4" name="椭圆 3"/>
           <p:cNvSpPr/>
           <p:nvPr/>
@@ -3043,9 +3141,154 @@
                 <a:latin typeface="Champagne &amp; Limousines" charset="0"/>
                 <a:ea typeface="Champagne &amp; Limousines" charset="0"/>
               </a:rPr>
-              <a:t>People</a:t>
+              <a:t>Innovate</a:t>
             </a:r>
             <a:endParaRPr lang="x-none" altLang="zh-CN" sz="4400">
+              <a:latin typeface="Champagne &amp; Limousines" charset="0"/>
+              <a:ea typeface="Champagne &amp; Limousines" charset="0"/>
+            </a:endParaRPr>
+          </a:p>
+        </p:txBody>
+      </p:sp>
+      <p:sp>
+        <p:nvSpPr>
+          <p:cNvPr id="15" name="文本框 14"/>
+          <p:cNvSpPr txBox="1"/>
+          <p:nvPr/>
+        </p:nvSpPr>
+        <p:spPr>
+          <a:xfrm>
+            <a:off x="9677400" y="3435985"/>
+            <a:ext cx="1488440" cy="2286000"/>
+          </a:xfrm>
+          <a:prstGeom prst="rect">
+            <a:avLst/>
+          </a:prstGeom>
+          <a:noFill/>
+        </p:spPr>
+        <p:txBody>
+          <a:bodyPr vert="horz" wrap="square" rtlCol="0" anchor="ctr" anchorCtr="0">
+            <a:spAutoFit/>
+          </a:bodyPr>
+          <a:p>
+            <a:r>
+              <a:rPr lang="x-none" altLang="zh-CN" sz="4800">
+                <a:ln w="6600">
+                  <a:solidFill>
+                    <a:schemeClr val="accent2"/>
+                  </a:solidFill>
+                  <a:prstDash val="solid"/>
+                </a:ln>
+                <a:solidFill>
+                  <a:srgbClr val="FFFFFF"/>
+                </a:solidFill>
+                <a:effectLst>
+                  <a:outerShdw dist="38100" dir="2700000" algn="tl" rotWithShape="0">
+                    <a:schemeClr val="accent2"/>
+                  </a:outerShdw>
+                </a:effectLst>
+                <a:latin typeface="Champagne &amp; Limousines" charset="0"/>
+                <a:ea typeface="Champagne &amp; Limousines" charset="0"/>
+              </a:rPr>
+              <a:t>GOD</a:t>
+            </a:r>
+            <a:endParaRPr lang="x-none" altLang="zh-CN" sz="4800">
+              <a:ln w="6600">
+                <a:solidFill>
+                  <a:schemeClr val="accent2"/>
+                </a:solidFill>
+                <a:prstDash val="solid"/>
+              </a:ln>
+              <a:solidFill>
+                <a:srgbClr val="FFFFFF"/>
+              </a:solidFill>
+              <a:effectLst>
+                <a:outerShdw dist="38100" dir="2700000" algn="tl" rotWithShape="0">
+                  <a:schemeClr val="accent2"/>
+                </a:outerShdw>
+              </a:effectLst>
+              <a:latin typeface="Champagne &amp; Limousines" charset="0"/>
+              <a:ea typeface="Champagne &amp; Limousines" charset="0"/>
+            </a:endParaRPr>
+          </a:p>
+          <a:p>
+            <a:r>
+              <a:rPr lang="x-none" altLang="zh-CN" sz="4800">
+                <a:ln w="6600">
+                  <a:solidFill>
+                    <a:schemeClr val="accent2"/>
+                  </a:solidFill>
+                  <a:prstDash val="solid"/>
+                </a:ln>
+                <a:solidFill>
+                  <a:srgbClr val="FFFFFF"/>
+                </a:solidFill>
+                <a:effectLst>
+                  <a:outerShdw dist="38100" dir="2700000" algn="tl" rotWithShape="0">
+                    <a:schemeClr val="accent2"/>
+                  </a:outerShdw>
+                </a:effectLst>
+                <a:latin typeface="Champagne &amp; Limousines" charset="0"/>
+                <a:ea typeface="Champagne &amp; Limousines" charset="0"/>
+              </a:rPr>
+              <a:t>OF</a:t>
+            </a:r>
+            <a:endParaRPr lang="x-none" altLang="zh-CN" sz="4800">
+              <a:ln w="6600">
+                <a:solidFill>
+                  <a:schemeClr val="accent2"/>
+                </a:solidFill>
+                <a:prstDash val="solid"/>
+              </a:ln>
+              <a:solidFill>
+                <a:srgbClr val="FFFFFF"/>
+              </a:solidFill>
+              <a:effectLst>
+                <a:outerShdw dist="38100" dir="2700000" algn="tl" rotWithShape="0">
+                  <a:schemeClr val="accent2"/>
+                </a:outerShdw>
+              </a:effectLst>
+              <a:latin typeface="Champagne &amp; Limousines" charset="0"/>
+              <a:ea typeface="Champagne &amp; Limousines" charset="0"/>
+            </a:endParaRPr>
+          </a:p>
+          <a:p>
+            <a:r>
+              <a:rPr lang="x-none" altLang="zh-CN" sz="4800">
+                <a:ln w="6600">
+                  <a:solidFill>
+                    <a:schemeClr val="accent2"/>
+                  </a:solidFill>
+                  <a:prstDash val="solid"/>
+                </a:ln>
+                <a:solidFill>
+                  <a:srgbClr val="FFFFFF"/>
+                </a:solidFill>
+                <a:effectLst>
+                  <a:outerShdw dist="38100" dir="2700000" algn="tl" rotWithShape="0">
+                    <a:schemeClr val="accent2"/>
+                  </a:outerShdw>
+                </a:effectLst>
+                <a:latin typeface="Champagne &amp; Limousines" charset="0"/>
+                <a:ea typeface="Champagne &amp; Limousines" charset="0"/>
+              </a:rPr>
+              <a:t>RICE</a:t>
+            </a:r>
+            <a:endParaRPr lang="x-none" altLang="zh-CN" sz="4800">
+              <a:ln w="6600">
+                <a:solidFill>
+                  <a:schemeClr val="accent2"/>
+                </a:solidFill>
+                <a:prstDash val="solid"/>
+              </a:ln>
+              <a:solidFill>
+                <a:srgbClr val="FFFFFF"/>
+              </a:solidFill>
+              <a:effectLst>
+                <a:outerShdw dist="38100" dir="2700000" algn="tl" rotWithShape="0">
+                  <a:schemeClr val="accent2"/>
+                </a:outerShdw>
+              </a:effectLst>
               <a:latin typeface="Champagne &amp; Limousines" charset="0"/>
               <a:ea typeface="Champagne &amp; Limousines" charset="0"/>
             </a:endParaRPr>
@@ -3081,14 +3324,104 @@
                             </p:stCondLst>
                             <p:childTnLst>
                               <p:par>
-                                <p:cTn id="5" presetID="26" presetClass="emph" presetSubtype="0" fill="hold" grpId="17" nodeType="withEffect">
+                                <p:cTn id="5" presetID="47" presetClass="entr" presetSubtype="0" fill="hold" grpId="29" nodeType="withEffect">
                                   <p:stCondLst>
                                     <p:cond delay="0"/>
                                   </p:stCondLst>
                                   <p:childTnLst>
+                                    <p:set>
+                                      <p:cBhvr>
+                                        <p:cTn id="6" dur="1" fill="hold">
+                                          <p:stCondLst>
+                                            <p:cond delay="0"/>
+                                          </p:stCondLst>
+                                        </p:cTn>
+                                        <p:tgtEl>
+                                          <p:spTgt spid="4"/>
+                                        </p:tgtEl>
+                                        <p:attrNameLst>
+                                          <p:attrName>style.visibility</p:attrName>
+                                        </p:attrNameLst>
+                                      </p:cBhvr>
+                                      <p:to>
+                                        <p:strVal val="visible"/>
+                                      </p:to>
+                                    </p:set>
+                                    <p:animEffect transition="in" filter="fade">
+                                      <p:cBhvr>
+                                        <p:cTn id="7" dur="1000"/>
+                                        <p:tgtEl>
+                                          <p:spTgt spid="4"/>
+                                        </p:tgtEl>
+                                      </p:cBhvr>
+                                    </p:animEffect>
+                                    <p:anim calcmode="lin" valueType="num">
+                                      <p:cBhvr>
+                                        <p:cTn id="8" dur="1000" fill="hold"/>
+                                        <p:tgtEl>
+                                          <p:spTgt spid="4"/>
+                                        </p:tgtEl>
+                                        <p:attrNameLst>
+                                          <p:attrName>ppt_x</p:attrName>
+                                        </p:attrNameLst>
+                                      </p:cBhvr>
+                                      <p:tavLst>
+                                        <p:tav tm="0">
+                                          <p:val>
+                                            <p:strVal val="#ppt_x"/>
+                                          </p:val>
+                                        </p:tav>
+                                        <p:tav tm="100000">
+                                          <p:val>
+                                            <p:strVal val="#ppt_x"/>
+                                          </p:val>
+                                        </p:tav>
+                                      </p:tavLst>
+                                    </p:anim>
+                                    <p:anim calcmode="lin" valueType="num">
+                                      <p:cBhvr>
+                                        <p:cTn id="9" dur="1000" fill="hold"/>
+                                        <p:tgtEl>
+                                          <p:spTgt spid="4"/>
+                                        </p:tgtEl>
+                                        <p:attrNameLst>
+                                          <p:attrName>ppt_y</p:attrName>
+                                        </p:attrNameLst>
+                                      </p:cBhvr>
+                                      <p:tavLst>
+                                        <p:tav tm="0">
+                                          <p:val>
+                                            <p:strVal val="#ppt_y-.1"/>
+                                          </p:val>
+                                        </p:tav>
+                                        <p:tav tm="100000">
+                                          <p:val>
+                                            <p:strVal val="#ppt_y"/>
+                                          </p:val>
+                                        </p:tav>
+                                      </p:tavLst>
+                                    </p:anim>
+                                  </p:childTnLst>
+                                </p:cTn>
+                              </p:par>
+                            </p:childTnLst>
+                          </p:cTn>
+                        </p:par>
+                        <p:par>
+                          <p:cTn id="10" fill="hold">
+                            <p:stCondLst>
+                              <p:cond delay="1000"/>
+                            </p:stCondLst>
+                            <p:childTnLst>
+                              <p:par>
+                                <p:cTn id="11" presetID="26" presetClass="emph" presetSubtype="0" fill="hold" grpId="17" nodeType="afterEffect">
+                                  <p:stCondLst>
+                                    <p:cond delay="100"/>
+                                  </p:stCondLst>
+                                  <p:childTnLst>
                                     <p:animEffect transition="out" filter="fade">
                                       <p:cBhvr>
-                                        <p:cTn id="6" dur="500" tmFilter="0, 0; .2, .5; .8, .5; 1, 0"/>
+                                        <p:cTn id="12" dur="500" tmFilter="0, 0; .2, .5; .8, .5; 1, 0"/>
                                         <p:tgtEl>
                                           <p:spTgt spid="4"/>
                                         </p:tgtEl>
@@ -3096,7 +3429,7 @@
                                     </p:animEffect>
                                     <p:animScale>
                                       <p:cBhvr>
-                                        <p:cTn id="7" dur="250" autoRev="1" fill="hold"/>
+                                        <p:cTn id="13" dur="250" autoRev="1" fill="hold"/>
                                         <p:tgtEl>
                                           <p:spTgt spid="4"/>
                                         </p:tgtEl>
@@ -3110,20 +3443,20 @@
                           </p:cTn>
                         </p:par>
                         <p:par>
-                          <p:cTn id="8" fill="hold">
+                          <p:cTn id="14" fill="hold">
                             <p:stCondLst>
-                              <p:cond delay="500"/>
+                              <p:cond delay="1600"/>
                             </p:stCondLst>
                             <p:childTnLst>
                               <p:par>
-                                <p:cTn id="9" presetID="17" presetClass="exit" presetSubtype="10" fill="hold" grpId="16" nodeType="afterEffect">
+                                <p:cTn id="15" presetID="17" presetClass="exit" presetSubtype="10" fill="hold" grpId="16" nodeType="afterEffect">
                                   <p:stCondLst>
                                     <p:cond delay="1000"/>
                                   </p:stCondLst>
                                   <p:childTnLst>
                                     <p:anim calcmode="lin" valueType="num">
                                       <p:cBhvr>
-                                        <p:cTn id="10" dur="1000"/>
+                                        <p:cTn id="16" dur="1000"/>
                                         <p:tgtEl>
                                           <p:spTgt spid="4"/>
                                         </p:tgtEl>
@@ -3146,7 +3479,7 @@
                                     </p:anim>
                                     <p:anim calcmode="lin" valueType="num">
                                       <p:cBhvr>
-                                        <p:cTn id="11" dur="1000"/>
+                                        <p:cTn id="17" dur="1000"/>
                                         <p:tgtEl>
                                           <p:spTgt spid="4"/>
                                         </p:tgtEl>
@@ -3169,7 +3502,7 @@
                                     </p:anim>
                                     <p:set>
                                       <p:cBhvr>
-                                        <p:cTn id="12" dur="1" fill="hold">
+                                        <p:cTn id="18" dur="1" fill="hold">
                                           <p:stCondLst>
                                             <p:cond delay="998"/>
                                           </p:stCondLst>
@@ -3192,20 +3525,348 @@
                           </p:cTn>
                         </p:par>
                         <p:par>
-                          <p:cTn id="13" fill="hold">
+                          <p:cTn id="19" fill="hold">
                             <p:stCondLst>
-                              <p:cond delay="2500"/>
+                              <p:cond delay="3600"/>
                             </p:stCondLst>
                             <p:childTnLst>
                               <p:par>
-                                <p:cTn id="14" presetID="17" presetClass="entr" presetSubtype="10" fill="hold" grpId="20" nodeType="afterEffect">
+                                <p:cTn id="20" presetID="17" presetClass="entr" presetSubtype="10" fill="hold" grpId="29" nodeType="afterEffect">
                                   <p:stCondLst>
                                     <p:cond delay="100"/>
                                   </p:stCondLst>
                                   <p:childTnLst>
                                     <p:set>
                                       <p:cBhvr>
-                                        <p:cTn id="15" dur="1" fill="hold">
+                                        <p:cTn id="21" dur="1" fill="hold">
+                                          <p:stCondLst>
+                                            <p:cond delay="0"/>
+                                          </p:stCondLst>
+                                        </p:cTn>
+                                        <p:tgtEl>
+                                          <p:spTgt spid="11"/>
+                                        </p:tgtEl>
+                                        <p:attrNameLst>
+                                          <p:attrName>style.visibility</p:attrName>
+                                        </p:attrNameLst>
+                                      </p:cBhvr>
+                                      <p:to>
+                                        <p:strVal val="visible"/>
+                                      </p:to>
+                                    </p:set>
+                                    <p:anim calcmode="lin" valueType="num">
+                                      <p:cBhvr>
+                                        <p:cTn id="22" dur="1000" fill="hold"/>
+                                        <p:tgtEl>
+                                          <p:spTgt spid="11"/>
+                                        </p:tgtEl>
+                                        <p:attrNameLst>
+                                          <p:attrName>ppt_w</p:attrName>
+                                        </p:attrNameLst>
+                                      </p:cBhvr>
+                                      <p:tavLst>
+                                        <p:tav tm="0">
+                                          <p:val>
+                                            <p:fltVal val="0"/>
+                                          </p:val>
+                                        </p:tav>
+                                        <p:tav tm="100000">
+                                          <p:val>
+                                            <p:strVal val="#ppt_w"/>
+                                          </p:val>
+                                        </p:tav>
+                                      </p:tavLst>
+                                    </p:anim>
+                                    <p:anim calcmode="lin" valueType="num">
+                                      <p:cBhvr>
+                                        <p:cTn id="23" dur="1000" fill="hold"/>
+                                        <p:tgtEl>
+                                          <p:spTgt spid="11"/>
+                                        </p:tgtEl>
+                                        <p:attrNameLst>
+                                          <p:attrName>ppt_h</p:attrName>
+                                        </p:attrNameLst>
+                                      </p:cBhvr>
+                                      <p:tavLst>
+                                        <p:tav tm="0">
+                                          <p:val>
+                                            <p:strVal val="#ppt_h"/>
+                                          </p:val>
+                                        </p:tav>
+                                        <p:tav tm="100000">
+                                          <p:val>
+                                            <p:strVal val="#ppt_h"/>
+                                          </p:val>
+                                        </p:tav>
+                                      </p:tavLst>
+                                    </p:anim>
+                                  </p:childTnLst>
+                                </p:cTn>
+                              </p:par>
+                            </p:childTnLst>
+                          </p:cTn>
+                        </p:par>
+                        <p:par>
+                          <p:cTn id="24" fill="hold">
+                            <p:stCondLst>
+                              <p:cond delay="4700"/>
+                            </p:stCondLst>
+                            <p:childTnLst>
+                              <p:par>
+                                <p:cTn id="25" presetID="17" presetClass="exit" presetSubtype="10" fill="hold" grpId="30" nodeType="afterEffect">
+                                  <p:stCondLst>
+                                    <p:cond delay="1000"/>
+                                  </p:stCondLst>
+                                  <p:childTnLst>
+                                    <p:anim calcmode="lin" valueType="num">
+                                      <p:cBhvr>
+                                        <p:cTn id="26" dur="1000"/>
+                                        <p:tgtEl>
+                                          <p:spTgt spid="11"/>
+                                        </p:tgtEl>
+                                        <p:attrNameLst>
+                                          <p:attrName>ppt_w</p:attrName>
+                                        </p:attrNameLst>
+                                      </p:cBhvr>
+                                      <p:tavLst>
+                                        <p:tav tm="0">
+                                          <p:val>
+                                            <p:strVal val="ppt_w"/>
+                                          </p:val>
+                                        </p:tav>
+                                        <p:tav tm="100000">
+                                          <p:val>
+                                            <p:fltVal val="0"/>
+                                          </p:val>
+                                        </p:tav>
+                                      </p:tavLst>
+                                    </p:anim>
+                                    <p:anim calcmode="lin" valueType="num">
+                                      <p:cBhvr>
+                                        <p:cTn id="27" dur="1000"/>
+                                        <p:tgtEl>
+                                          <p:spTgt spid="11"/>
+                                        </p:tgtEl>
+                                        <p:attrNameLst>
+                                          <p:attrName>ppt_h</p:attrName>
+                                        </p:attrNameLst>
+                                      </p:cBhvr>
+                                      <p:tavLst>
+                                        <p:tav tm="0">
+                                          <p:val>
+                                            <p:strVal val="ppt_h"/>
+                                          </p:val>
+                                        </p:tav>
+                                        <p:tav tm="100000">
+                                          <p:val>
+                                            <p:strVal val="ppt_h"/>
+                                          </p:val>
+                                        </p:tav>
+                                      </p:tavLst>
+                                    </p:anim>
+                                    <p:set>
+                                      <p:cBhvr>
+                                        <p:cTn id="28" dur="1" fill="hold">
+                                          <p:stCondLst>
+                                            <p:cond delay="998"/>
+                                          </p:stCondLst>
+                                        </p:cTn>
+                                        <p:tgtEl>
+                                          <p:spTgt spid="11"/>
+                                        </p:tgtEl>
+                                        <p:attrNameLst>
+                                          <p:attrName>style.visibility</p:attrName>
+                                        </p:attrNameLst>
+                                      </p:cBhvr>
+                                      <p:to>
+                                        <p:strVal val="hidden"/>
+                                      </p:to>
+                                    </p:set>
+                                  </p:childTnLst>
+                                </p:cTn>
+                              </p:par>
+                            </p:childTnLst>
+                          </p:cTn>
+                        </p:par>
+                        <p:par>
+                          <p:cTn id="29" fill="hold">
+                            <p:stCondLst>
+                              <p:cond delay="6700"/>
+                            </p:stCondLst>
+                            <p:childTnLst>
+                              <p:par>
+                                <p:cTn id="30" presetID="17" presetClass="entr" presetSubtype="10" fill="hold" grpId="29" nodeType="afterEffect">
+                                  <p:stCondLst>
+                                    <p:cond delay="100"/>
+                                  </p:stCondLst>
+                                  <p:childTnLst>
+                                    <p:set>
+                                      <p:cBhvr>
+                                        <p:cTn id="31" dur="1" fill="hold">
+                                          <p:stCondLst>
+                                            <p:cond delay="0"/>
+                                          </p:stCondLst>
+                                        </p:cTn>
+                                        <p:tgtEl>
+                                          <p:spTgt spid="10"/>
+                                        </p:tgtEl>
+                                        <p:attrNameLst>
+                                          <p:attrName>style.visibility</p:attrName>
+                                        </p:attrNameLst>
+                                      </p:cBhvr>
+                                      <p:to>
+                                        <p:strVal val="visible"/>
+                                      </p:to>
+                                    </p:set>
+                                    <p:anim calcmode="lin" valueType="num">
+                                      <p:cBhvr>
+                                        <p:cTn id="32" dur="1000" fill="hold"/>
+                                        <p:tgtEl>
+                                          <p:spTgt spid="10"/>
+                                        </p:tgtEl>
+                                        <p:attrNameLst>
+                                          <p:attrName>ppt_w</p:attrName>
+                                        </p:attrNameLst>
+                                      </p:cBhvr>
+                                      <p:tavLst>
+                                        <p:tav tm="0">
+                                          <p:val>
+                                            <p:fltVal val="0"/>
+                                          </p:val>
+                                        </p:tav>
+                                        <p:tav tm="100000">
+                                          <p:val>
+                                            <p:strVal val="#ppt_w"/>
+                                          </p:val>
+                                        </p:tav>
+                                      </p:tavLst>
+                                    </p:anim>
+                                    <p:anim calcmode="lin" valueType="num">
+                                      <p:cBhvr>
+                                        <p:cTn id="33" dur="1000" fill="hold"/>
+                                        <p:tgtEl>
+                                          <p:spTgt spid="10"/>
+                                        </p:tgtEl>
+                                        <p:attrNameLst>
+                                          <p:attrName>ppt_h</p:attrName>
+                                        </p:attrNameLst>
+                                      </p:cBhvr>
+                                      <p:tavLst>
+                                        <p:tav tm="0">
+                                          <p:val>
+                                            <p:strVal val="#ppt_h"/>
+                                          </p:val>
+                                        </p:tav>
+                                        <p:tav tm="100000">
+                                          <p:val>
+                                            <p:strVal val="#ppt_h"/>
+                                          </p:val>
+                                        </p:tav>
+                                      </p:tavLst>
+                                    </p:anim>
+                                  </p:childTnLst>
+                                </p:cTn>
+                              </p:par>
+                            </p:childTnLst>
+                          </p:cTn>
+                        </p:par>
+                        <p:par>
+                          <p:cTn id="34" fill="hold">
+                            <p:stCondLst>
+                              <p:cond delay="7800"/>
+                            </p:stCondLst>
+                            <p:childTnLst>
+                              <p:par>
+                                <p:cTn id="35" presetID="17" presetClass="exit" presetSubtype="10" fill="hold" grpId="30" nodeType="afterEffect">
+                                  <p:stCondLst>
+                                    <p:cond delay="1000"/>
+                                  </p:stCondLst>
+                                  <p:childTnLst>
+                                    <p:anim calcmode="lin" valueType="num">
+                                      <p:cBhvr>
+                                        <p:cTn id="36" dur="1000"/>
+                                        <p:tgtEl>
+                                          <p:spTgt spid="10"/>
+                                        </p:tgtEl>
+                                        <p:attrNameLst>
+                                          <p:attrName>ppt_w</p:attrName>
+                                        </p:attrNameLst>
+                                      </p:cBhvr>
+                                      <p:tavLst>
+                                        <p:tav tm="0">
+                                          <p:val>
+                                            <p:strVal val="ppt_w"/>
+                                          </p:val>
+                                        </p:tav>
+                                        <p:tav tm="100000">
+                                          <p:val>
+                                            <p:fltVal val="0"/>
+                                          </p:val>
+                                        </p:tav>
+                                      </p:tavLst>
+                                    </p:anim>
+                                    <p:anim calcmode="lin" valueType="num">
+                                      <p:cBhvr>
+                                        <p:cTn id="37" dur="1000"/>
+                                        <p:tgtEl>
+                                          <p:spTgt spid="10"/>
+                                        </p:tgtEl>
+                                        <p:attrNameLst>
+                                          <p:attrName>ppt_h</p:attrName>
+                                        </p:attrNameLst>
+                                      </p:cBhvr>
+                                      <p:tavLst>
+                                        <p:tav tm="0">
+                                          <p:val>
+                                            <p:strVal val="ppt_h"/>
+                                          </p:val>
+                                        </p:tav>
+                                        <p:tav tm="100000">
+                                          <p:val>
+                                            <p:strVal val="ppt_h"/>
+                                          </p:val>
+                                        </p:tav>
+                                      </p:tavLst>
+                                    </p:anim>
+                                    <p:set>
+                                      <p:cBhvr>
+                                        <p:cTn id="38" dur="1" fill="hold">
+                                          <p:stCondLst>
+                                            <p:cond delay="998"/>
+                                          </p:stCondLst>
+                                        </p:cTn>
+                                        <p:tgtEl>
+                                          <p:spTgt spid="10"/>
+                                        </p:tgtEl>
+                                        <p:attrNameLst>
+                                          <p:attrName>style.visibility</p:attrName>
+                                        </p:attrNameLst>
+                                      </p:cBhvr>
+                                      <p:to>
+                                        <p:strVal val="hidden"/>
+                                      </p:to>
+                                    </p:set>
+                                  </p:childTnLst>
+                                </p:cTn>
+                              </p:par>
+                            </p:childTnLst>
+                          </p:cTn>
+                        </p:par>
+                        <p:par>
+                          <p:cTn id="39" fill="hold">
+                            <p:stCondLst>
+                              <p:cond delay="9800"/>
+                            </p:stCondLst>
+                            <p:childTnLst>
+                              <p:par>
+                                <p:cTn id="40" presetID="17" presetClass="entr" presetSubtype="10" fill="hold" grpId="20" nodeType="afterEffect">
+                                  <p:stCondLst>
+                                    <p:cond delay="100"/>
+                                  </p:stCondLst>
+                                  <p:childTnLst>
+                                    <p:set>
+                                      <p:cBhvr>
+                                        <p:cTn id="41" dur="1" fill="hold">
                                           <p:stCondLst>
                                             <p:cond delay="0"/>
                                           </p:stCondLst>
@@ -3223,7 +3884,7 @@
                                     </p:set>
                                     <p:anim calcmode="lin" valueType="num">
                                       <p:cBhvr>
-                                        <p:cTn id="16" dur="1000" fill="hold"/>
+                                        <p:cTn id="42" dur="1000" fill="hold"/>
                                         <p:tgtEl>
                                           <p:spTgt spid="5"/>
                                         </p:tgtEl>
@@ -3246,7 +3907,7 @@
                                     </p:anim>
                                     <p:anim calcmode="lin" valueType="num">
                                       <p:cBhvr>
-                                        <p:cTn id="17" dur="1000" fill="hold"/>
+                                        <p:cTn id="43" dur="1000" fill="hold"/>
                                         <p:tgtEl>
                                           <p:spTgt spid="5"/>
                                         </p:tgtEl>
@@ -3274,20 +3935,20 @@
                           </p:cTn>
                         </p:par>
                         <p:par>
-                          <p:cTn id="18" fill="hold">
+                          <p:cTn id="44" fill="hold">
                             <p:stCondLst>
-                              <p:cond delay="3600"/>
+                              <p:cond delay="10900"/>
                             </p:stCondLst>
                             <p:childTnLst>
                               <p:par>
-                                <p:cTn id="19" presetID="26" presetClass="emph" presetSubtype="0" fill="hold" grpId="22" nodeType="afterEffect">
+                                <p:cTn id="45" presetID="26" presetClass="emph" presetSubtype="0" fill="hold" grpId="22" nodeType="afterEffect">
                                   <p:stCondLst>
                                     <p:cond delay="0"/>
                                   </p:stCondLst>
                                   <p:childTnLst>
                                     <p:animEffect transition="out" filter="fade">
                                       <p:cBhvr>
-                                        <p:cTn id="20" dur="500" tmFilter="0, 0; .2, .5; .8, .5; 1, 0"/>
+                                        <p:cTn id="46" dur="500" tmFilter="0, 0; .2, .5; .8, .5; 1, 0"/>
                                         <p:tgtEl>
                                           <p:spTgt spid="5"/>
                                         </p:tgtEl>
@@ -3295,7 +3956,7 @@
                                     </p:animEffect>
                                     <p:animScale>
                                       <p:cBhvr>
-                                        <p:cTn id="21" dur="250" autoRev="1" fill="hold"/>
+                                        <p:cTn id="47" dur="250" autoRev="1" fill="hold"/>
                                         <p:tgtEl>
                                           <p:spTgt spid="5"/>
                                         </p:tgtEl>
@@ -3309,20 +3970,20 @@
                           </p:cTn>
                         </p:par>
                         <p:par>
-                          <p:cTn id="22" fill="hold">
+                          <p:cTn id="48" fill="hold">
                             <p:stCondLst>
-                              <p:cond delay="4100"/>
+                              <p:cond delay="11400"/>
                             </p:stCondLst>
                             <p:childTnLst>
                               <p:par>
-                                <p:cTn id="23" presetID="63" presetClass="path" presetSubtype="0" accel="50000" decel="50000" fill="hold" grpId="23" nodeType="afterEffect">
+                                <p:cTn id="49" presetID="63" presetClass="path" presetSubtype="0" accel="50000" decel="50000" fill="hold" grpId="23" nodeType="afterEffect">
                                   <p:stCondLst>
                                     <p:cond delay="500"/>
                                   </p:stCondLst>
                                   <p:childTnLst>
                                     <p:animMotion origin="layout" path="M -0.006927 -0.001574 L 0.358906 -0.272407 " pathEditMode="relative" rAng="0" ptsTypes="">
                                       <p:cBhvr>
-                                        <p:cTn id="24" dur="2000" fill="hold"/>
+                                        <p:cTn id="50" dur="2000" fill="hold"/>
                                         <p:tgtEl>
                                           <p:spTgt spid="5"/>
                                         </p:tgtEl>
@@ -3337,14 +3998,14 @@
                                 </p:cTn>
                               </p:par>
                               <p:par>
-                                <p:cTn id="25" presetID="6" presetClass="emph" presetSubtype="0" fill="hold" grpId="24" nodeType="withEffect">
+                                <p:cTn id="51" presetID="6" presetClass="emph" presetSubtype="0" fill="hold" grpId="24" nodeType="withEffect">
                                   <p:stCondLst>
                                     <p:cond delay="1000"/>
                                   </p:stCondLst>
                                   <p:childTnLst>
                                     <p:animScale>
                                       <p:cBhvr>
-                                        <p:cTn id="26" dur="1000" fill="hold"/>
+                                        <p:cTn id="52" dur="1000" fill="hold"/>
                                         <p:tgtEl>
                                           <p:spTgt spid="5"/>
                                         </p:tgtEl>
@@ -3358,60 +4019,20 @@
                           </p:cTn>
                         </p:par>
                         <p:par>
-                          <p:cTn id="27" fill="hold">
+                          <p:cTn id="53" fill="hold">
                             <p:stCondLst>
-                              <p:cond delay="6600"/>
+                              <p:cond delay="13900"/>
                             </p:stCondLst>
                             <p:childTnLst>
                               <p:par>
-                                <p:cTn id="28" presetID="9" presetClass="emph" presetSubtype="0" grpId="25" nodeType="afterEffect">
-                                  <p:stCondLst>
-                                    <p:cond delay="0"/>
-                                  </p:stCondLst>
-                                  <p:childTnLst>
-                                    <p:set>
-                                      <p:cBhvr rctx="PPT">
-                                        <p:cTn id="29" dur="indefinite"/>
-                                        <p:tgtEl>
-                                          <p:spTgt spid="5"/>
-                                        </p:tgtEl>
-                                        <p:attrNameLst>
-                                          <p:attrName>style.opacity</p:attrName>
-                                        </p:attrNameLst>
-                                      </p:cBhvr>
-                                      <p:to>
-                                        <p:strVal val="0.75"/>
-                                      </p:to>
-                                    </p:set>
-                                    <p:animEffect filter="image" prLst="opacity: 0.5">
-                                      <p:cBhvr rctx="IE">
-                                        <p:cTn id="30" dur="indefinite"/>
-                                        <p:tgtEl>
-                                          <p:spTgt spid="5"/>
-                                        </p:tgtEl>
-                                      </p:cBhvr>
-                                    </p:animEffect>
-                                  </p:childTnLst>
-                                </p:cTn>
-                              </p:par>
-                            </p:childTnLst>
-                          </p:cTn>
-                        </p:par>
-                        <p:par>
-                          <p:cTn id="31" fill="hold">
-                            <p:stCondLst>
-                              <p:cond delay="6600"/>
-                            </p:stCondLst>
-                            <p:childTnLst>
-                              <p:par>
-                                <p:cTn id="32" presetID="10" presetClass="entr" presetSubtype="0" fill="hold" nodeType="afterEffect">
+                                <p:cTn id="54" presetID="10" presetClass="entr" presetSubtype="0" fill="hold" nodeType="afterEffect">
                                   <p:stCondLst>
                                     <p:cond delay="500"/>
                                   </p:stCondLst>
                                   <p:childTnLst>
                                     <p:set>
                                       <p:cBhvr>
-                                        <p:cTn id="33" dur="1" fill="hold">
+                                        <p:cTn id="55" dur="1" fill="hold">
                                           <p:stCondLst>
                                             <p:cond delay="0"/>
                                           </p:stCondLst>
@@ -3429,9 +4050,309 @@
                                     </p:set>
                                     <p:animEffect transition="in" filter="fade">
                                       <p:cBhvr>
-                                        <p:cTn id="34" dur="2000"/>
+                                        <p:cTn id="56" dur="2000"/>
                                         <p:tgtEl>
                                           <p:spTgt spid="3"/>
+                                        </p:tgtEl>
+                                      </p:cBhvr>
+                                    </p:animEffect>
+                                  </p:childTnLst>
+                                </p:cTn>
+                              </p:par>
+                            </p:childTnLst>
+                          </p:cTn>
+                        </p:par>
+                        <p:par>
+                          <p:cTn id="57" fill="hold">
+                            <p:stCondLst>
+                              <p:cond delay="16400"/>
+                            </p:stCondLst>
+                            <p:childTnLst>
+                              <p:par>
+                                <p:cTn id="58" presetID="53" presetClass="entr" presetSubtype="0" fill="hold" nodeType="afterEffect">
+                                  <p:stCondLst>
+                                    <p:cond delay="500"/>
+                                  </p:stCondLst>
+                                  <p:childTnLst>
+                                    <p:set>
+                                      <p:cBhvr>
+                                        <p:cTn id="59" dur="1" fill="hold">
+                                          <p:stCondLst>
+                                            <p:cond delay="0"/>
+                                          </p:stCondLst>
+                                        </p:cTn>
+                                        <p:tgtEl>
+                                          <p:spTgt spid="15">
+                                            <p:txEl>
+                                              <p:pRg st="0" end="0"/>
+                                            </p:txEl>
+                                          </p:spTgt>
+                                        </p:tgtEl>
+                                        <p:attrNameLst>
+                                          <p:attrName>style.visibility</p:attrName>
+                                        </p:attrNameLst>
+                                      </p:cBhvr>
+                                      <p:to>
+                                        <p:strVal val="visible"/>
+                                      </p:to>
+                                    </p:set>
+                                    <p:anim calcmode="lin" valueType="num">
+                                      <p:cBhvr>
+                                        <p:cTn id="60" dur="500" fill="hold"/>
+                                        <p:tgtEl>
+                                          <p:spTgt spid="15">
+                                            <p:txEl>
+                                              <p:pRg st="0" end="0"/>
+                                            </p:txEl>
+                                          </p:spTgt>
+                                        </p:tgtEl>
+                                        <p:attrNameLst>
+                                          <p:attrName>ppt_w</p:attrName>
+                                        </p:attrNameLst>
+                                      </p:cBhvr>
+                                      <p:tavLst>
+                                        <p:tav tm="0">
+                                          <p:val>
+                                            <p:fltVal val="0"/>
+                                          </p:val>
+                                        </p:tav>
+                                        <p:tav tm="100000">
+                                          <p:val>
+                                            <p:strVal val="#ppt_w"/>
+                                          </p:val>
+                                        </p:tav>
+                                      </p:tavLst>
+                                    </p:anim>
+                                    <p:anim calcmode="lin" valueType="num">
+                                      <p:cBhvr>
+                                        <p:cTn id="61" dur="500" fill="hold"/>
+                                        <p:tgtEl>
+                                          <p:spTgt spid="15">
+                                            <p:txEl>
+                                              <p:pRg st="0" end="0"/>
+                                            </p:txEl>
+                                          </p:spTgt>
+                                        </p:tgtEl>
+                                        <p:attrNameLst>
+                                          <p:attrName>ppt_h</p:attrName>
+                                        </p:attrNameLst>
+                                      </p:cBhvr>
+                                      <p:tavLst>
+                                        <p:tav tm="0">
+                                          <p:val>
+                                            <p:fltVal val="0"/>
+                                          </p:val>
+                                        </p:tav>
+                                        <p:tav tm="100000">
+                                          <p:val>
+                                            <p:strVal val="#ppt_h"/>
+                                          </p:val>
+                                        </p:tav>
+                                      </p:tavLst>
+                                    </p:anim>
+                                    <p:animEffect transition="in" filter="fade">
+                                      <p:cBhvr>
+                                        <p:cTn id="62" dur="500"/>
+                                        <p:tgtEl>
+                                          <p:spTgt spid="15">
+                                            <p:txEl>
+                                              <p:pRg st="0" end="0"/>
+                                            </p:txEl>
+                                          </p:spTgt>
+                                        </p:tgtEl>
+                                      </p:cBhvr>
+                                    </p:animEffect>
+                                  </p:childTnLst>
+                                </p:cTn>
+                              </p:par>
+                              <p:par>
+                                <p:cTn id="63" presetID="53" presetClass="entr" presetSubtype="0" fill="hold" nodeType="withEffect">
+                                  <p:stCondLst>
+                                    <p:cond delay="500"/>
+                                  </p:stCondLst>
+                                  <p:childTnLst>
+                                    <p:set>
+                                      <p:cBhvr>
+                                        <p:cTn id="64" dur="1" fill="hold">
+                                          <p:stCondLst>
+                                            <p:cond delay="0"/>
+                                          </p:stCondLst>
+                                        </p:cTn>
+                                        <p:tgtEl>
+                                          <p:spTgt spid="15">
+                                            <p:txEl>
+                                              <p:pRg st="1" end="1"/>
+                                            </p:txEl>
+                                          </p:spTgt>
+                                        </p:tgtEl>
+                                        <p:attrNameLst>
+                                          <p:attrName>style.visibility</p:attrName>
+                                        </p:attrNameLst>
+                                      </p:cBhvr>
+                                      <p:to>
+                                        <p:strVal val="visible"/>
+                                      </p:to>
+                                    </p:set>
+                                    <p:anim calcmode="lin" valueType="num">
+                                      <p:cBhvr>
+                                        <p:cTn id="65" dur="500" fill="hold"/>
+                                        <p:tgtEl>
+                                          <p:spTgt spid="15">
+                                            <p:txEl>
+                                              <p:pRg st="1" end="1"/>
+                                            </p:txEl>
+                                          </p:spTgt>
+                                        </p:tgtEl>
+                                        <p:attrNameLst>
+                                          <p:attrName>ppt_w</p:attrName>
+                                        </p:attrNameLst>
+                                      </p:cBhvr>
+                                      <p:tavLst>
+                                        <p:tav tm="0">
+                                          <p:val>
+                                            <p:fltVal val="0"/>
+                                          </p:val>
+                                        </p:tav>
+                                        <p:tav tm="100000">
+                                          <p:val>
+                                            <p:strVal val="#ppt_w"/>
+                                          </p:val>
+                                        </p:tav>
+                                      </p:tavLst>
+                                    </p:anim>
+                                    <p:anim calcmode="lin" valueType="num">
+                                      <p:cBhvr>
+                                        <p:cTn id="66" dur="500" fill="hold"/>
+                                        <p:tgtEl>
+                                          <p:spTgt spid="15">
+                                            <p:txEl>
+                                              <p:pRg st="1" end="1"/>
+                                            </p:txEl>
+                                          </p:spTgt>
+                                        </p:tgtEl>
+                                        <p:attrNameLst>
+                                          <p:attrName>ppt_h</p:attrName>
+                                        </p:attrNameLst>
+                                      </p:cBhvr>
+                                      <p:tavLst>
+                                        <p:tav tm="0">
+                                          <p:val>
+                                            <p:fltVal val="0"/>
+                                          </p:val>
+                                        </p:tav>
+                                        <p:tav tm="100000">
+                                          <p:val>
+                                            <p:strVal val="#ppt_h"/>
+                                          </p:val>
+                                        </p:tav>
+                                      </p:tavLst>
+                                    </p:anim>
+                                    <p:animEffect transition="in" filter="fade">
+                                      <p:cBhvr>
+                                        <p:cTn id="67" dur="500"/>
+                                        <p:tgtEl>
+                                          <p:spTgt spid="15">
+                                            <p:txEl>
+                                              <p:pRg st="1" end="1"/>
+                                            </p:txEl>
+                                          </p:spTgt>
+                                        </p:tgtEl>
+                                      </p:cBhvr>
+                                    </p:animEffect>
+                                  </p:childTnLst>
+                                </p:cTn>
+                              </p:par>
+                              <p:par>
+                                <p:cTn id="68" presetID="53" presetClass="entr" presetSubtype="0" fill="hold" nodeType="withEffect">
+                                  <p:stCondLst>
+                                    <p:cond delay="500"/>
+                                  </p:stCondLst>
+                                  <p:childTnLst>
+                                    <p:set>
+                                      <p:cBhvr>
+                                        <p:cTn id="69" dur="1" fill="hold">
+                                          <p:stCondLst>
+                                            <p:cond delay="0"/>
+                                          </p:stCondLst>
+                                        </p:cTn>
+                                        <p:tgtEl>
+                                          <p:spTgt spid="15">
+                                            <p:txEl>
+                                              <p:pRg st="2" end="2"/>
+                                            </p:txEl>
+                                          </p:spTgt>
+                                        </p:tgtEl>
+                                        <p:attrNameLst>
+                                          <p:attrName>style.visibility</p:attrName>
+                                        </p:attrNameLst>
+                                      </p:cBhvr>
+                                      <p:to>
+                                        <p:strVal val="visible"/>
+                                      </p:to>
+                                    </p:set>
+                                    <p:anim calcmode="lin" valueType="num">
+                                      <p:cBhvr>
+                                        <p:cTn id="70" dur="500" fill="hold"/>
+                                        <p:tgtEl>
+                                          <p:spTgt spid="15">
+                                            <p:txEl>
+                                              <p:pRg st="2" end="2"/>
+                                            </p:txEl>
+                                          </p:spTgt>
+                                        </p:tgtEl>
+                                        <p:attrNameLst>
+                                          <p:attrName>ppt_w</p:attrName>
+                                        </p:attrNameLst>
+                                      </p:cBhvr>
+                                      <p:tavLst>
+                                        <p:tav tm="0">
+                                          <p:val>
+                                            <p:fltVal val="0"/>
+                                          </p:val>
+                                        </p:tav>
+                                        <p:tav tm="100000">
+                                          <p:val>
+                                            <p:strVal val="#ppt_w"/>
+                                          </p:val>
+                                        </p:tav>
+                                      </p:tavLst>
+                                    </p:anim>
+                                    <p:anim calcmode="lin" valueType="num">
+                                      <p:cBhvr>
+                                        <p:cTn id="71" dur="500" fill="hold"/>
+                                        <p:tgtEl>
+                                          <p:spTgt spid="15">
+                                            <p:txEl>
+                                              <p:pRg st="2" end="2"/>
+                                            </p:txEl>
+                                          </p:spTgt>
+                                        </p:tgtEl>
+                                        <p:attrNameLst>
+                                          <p:attrName>ppt_h</p:attrName>
+                                        </p:attrNameLst>
+                                      </p:cBhvr>
+                                      <p:tavLst>
+                                        <p:tav tm="0">
+                                          <p:val>
+                                            <p:fltVal val="0"/>
+                                          </p:val>
+                                        </p:tav>
+                                        <p:tav tm="100000">
+                                          <p:val>
+                                            <p:strVal val="#ppt_h"/>
+                                          </p:val>
+                                        </p:tav>
+                                      </p:tavLst>
+                                    </p:anim>
+                                    <p:animEffect transition="in" filter="fade">
+                                      <p:cBhvr>
+                                        <p:cTn id="72" dur="500"/>
+                                        <p:tgtEl>
+                                          <p:spTgt spid="15">
+                                            <p:txEl>
+                                              <p:pRg st="2" end="2"/>
+                                            </p:txEl>
+                                          </p:spTgt>
                                         </p:tgtEl>
                                       </p:cBhvr>
                                     </p:animEffect>
@@ -3509,33 +4430,77 @@
       <p:bldP spid="5" grpId="22" bldLvl="0" animBg="1"/>
       <p:bldP spid="5" grpId="23" bldLvl="0" animBg="1"/>
       <p:bldP spid="5" grpId="24" bldLvl="0" animBg="1"/>
-      <p:bldP spid="5" grpId="25" bldLvl="0" animBg="1"/>
+      <p:bldP spid="4" grpId="20" animBg="1"/>
+      <p:bldP spid="4" grpId="21" animBg="1"/>
+      <p:bldP spid="4" grpId="22" animBg="1"/>
+      <p:bldP spid="4" grpId="23" animBg="1"/>
+      <p:bldP spid="4" grpId="24" animBg="1"/>
+      <p:bldP spid="4" grpId="25" animBg="1"/>
+      <p:bldP spid="4" grpId="26" animBg="1"/>
+      <p:bldP spid="4" grpId="27" animBg="1"/>
+      <p:bldP spid="4" grpId="28" animBg="1"/>
+      <p:bldP spid="4" grpId="29" bldLvl="0" animBg="1"/>
+      <p:bldP spid="10" grpId="0" animBg="1"/>
+      <p:bldP spid="10" grpId="1" animBg="1"/>
+      <p:bldP spid="10" grpId="2" animBg="1"/>
+      <p:bldP spid="10" grpId="3" animBg="1"/>
+      <p:bldP spid="10" grpId="4" animBg="1"/>
+      <p:bldP spid="10" grpId="5" animBg="1"/>
+      <p:bldP spid="10" grpId="6" animBg="1"/>
+      <p:bldP spid="10" grpId="7" animBg="1"/>
+      <p:bldP spid="10" grpId="8" animBg="1"/>
+      <p:bldP spid="10" grpId="9" animBg="1"/>
+      <p:bldP spid="10" grpId="10" animBg="1"/>
+      <p:bldP spid="10" grpId="11" animBg="1"/>
+      <p:bldP spid="10" grpId="12" animBg="1"/>
+      <p:bldP spid="10" grpId="13" animBg="1"/>
+      <p:bldP spid="10" grpId="14" animBg="1"/>
+      <p:bldP spid="10" grpId="15" animBg="1"/>
+      <p:bldP spid="10" grpId="18" animBg="1"/>
+      <p:bldP spid="10" grpId="19" animBg="1"/>
+      <p:bldP spid="10" grpId="20" animBg="1"/>
+      <p:bldP spid="10" grpId="21" animBg="1"/>
+      <p:bldP spid="10" grpId="22" animBg="1"/>
+      <p:bldP spid="10" grpId="23" animBg="1"/>
+      <p:bldP spid="10" grpId="24" animBg="1"/>
+      <p:bldP spid="10" grpId="25" animBg="1"/>
+      <p:bldP spid="10" grpId="26" animBg="1"/>
+      <p:bldP spid="10" grpId="27" animBg="1"/>
+      <p:bldP spid="10" grpId="28" animBg="1"/>
+      <p:bldP spid="10" grpId="29" bldLvl="0" animBg="1"/>
+      <p:bldP spid="10" grpId="30" bldLvl="0" animBg="1"/>
+      <p:bldP spid="11" grpId="0" animBg="1"/>
+      <p:bldP spid="11" grpId="1" animBg="1"/>
+      <p:bldP spid="11" grpId="2" animBg="1"/>
+      <p:bldP spid="11" grpId="3" animBg="1"/>
+      <p:bldP spid="11" grpId="4" animBg="1"/>
+      <p:bldP spid="11" grpId="5" animBg="1"/>
+      <p:bldP spid="11" grpId="6" animBg="1"/>
+      <p:bldP spid="11" grpId="7" animBg="1"/>
+      <p:bldP spid="11" grpId="8" animBg="1"/>
+      <p:bldP spid="11" grpId="9" animBg="1"/>
+      <p:bldP spid="11" grpId="10" animBg="1"/>
+      <p:bldP spid="11" grpId="11" animBg="1"/>
+      <p:bldP spid="11" grpId="12" animBg="1"/>
+      <p:bldP spid="11" grpId="13" animBg="1"/>
+      <p:bldP spid="11" grpId="14" animBg="1"/>
+      <p:bldP spid="11" grpId="15" animBg="1"/>
+      <p:bldP spid="11" grpId="18" animBg="1"/>
+      <p:bldP spid="11" grpId="19" animBg="1"/>
+      <p:bldP spid="11" grpId="20" animBg="1"/>
+      <p:bldP spid="11" grpId="21" animBg="1"/>
+      <p:bldP spid="11" grpId="22" animBg="1"/>
+      <p:bldP spid="11" grpId="23" animBg="1"/>
+      <p:bldP spid="11" grpId="24" animBg="1"/>
+      <p:bldP spid="11" grpId="25" animBg="1"/>
+      <p:bldP spid="11" grpId="26" animBg="1"/>
+      <p:bldP spid="11" grpId="27" animBg="1"/>
+      <p:bldP spid="11" grpId="28" animBg="1"/>
+      <p:bldP spid="11" grpId="29" bldLvl="0" animBg="1"/>
+      <p:bldP spid="11" grpId="30" bldLvl="0" animBg="1"/>
+      <p:bldP spid="15" grpId="0"/>
+      <p:bldP spid="15" grpId="1"/>
     </p:bldLst>
-  </p:timing>
-</p:sld>
-</file>
-
-<file path=ppt/slides/slide2.xml><?xml version="1.0" encoding="utf-8"?>
-<p:sld xmlns:a="http://schemas.openxmlformats.org/drawingml/2006/main" xmlns:r="http://schemas.openxmlformats.org/officeDocument/2006/relationships" xmlns:p="http://schemas.openxmlformats.org/presentationml/2006/main">
-  <p:cSld>
-    <p:spTree>
-      <p:nvGrpSpPr>
-        <p:cNvPr id="1" name=""/>
-        <p:cNvGrpSpPr/>
-        <p:nvPr/>
-      </p:nvGrpSpPr>
-      <p:grpSpPr/>
-    </p:spTree>
-  </p:cSld>
-  <p:clrMapOvr>
-    <a:masterClrMapping/>
-  </p:clrMapOvr>
-  <p:timing>
-    <p:tnLst>
-      <p:par>
-        <p:cTn id="1" dur="indefinite" restart="never" nodeType="tmRoot"/>
-      </p:par>
-    </p:tnLst>
   </p:timing>
 </p:sld>
 </file>
